--- a/QA class/What makes a Good QA.pptx
+++ b/QA class/What makes a Good QA.pptx
@@ -7,17 +7,16 @@
   <p:sldIdLst>
     <p:sldId id="256" r:id="rId2"/>
     <p:sldId id="257" r:id="rId3"/>
-    <p:sldId id="259" r:id="rId4"/>
-    <p:sldId id="258" r:id="rId5"/>
-    <p:sldId id="261" r:id="rId6"/>
-    <p:sldId id="262" r:id="rId7"/>
-    <p:sldId id="263" r:id="rId8"/>
-    <p:sldId id="264" r:id="rId9"/>
-    <p:sldId id="265" r:id="rId10"/>
-    <p:sldId id="266" r:id="rId11"/>
-    <p:sldId id="268" r:id="rId12"/>
-    <p:sldId id="267" r:id="rId13"/>
-    <p:sldId id="269" r:id="rId14"/>
+    <p:sldId id="258" r:id="rId4"/>
+    <p:sldId id="261" r:id="rId5"/>
+    <p:sldId id="262" r:id="rId6"/>
+    <p:sldId id="263" r:id="rId7"/>
+    <p:sldId id="264" r:id="rId8"/>
+    <p:sldId id="265" r:id="rId9"/>
+    <p:sldId id="266" r:id="rId10"/>
+    <p:sldId id="268" r:id="rId11"/>
+    <p:sldId id="267" r:id="rId12"/>
+    <p:sldId id="269" r:id="rId13"/>
   </p:sldIdLst>
   <p:sldSz cx="12192000" cy="6858000"/>
   <p:notesSz cx="6858000" cy="9144000"/>
@@ -847,7 +846,7 @@
             <a:fld id="{B61BEF0D-F0BB-DE4B-95CE-6DB70DBA9567}" type="datetimeFigureOut">
               <a:rPr lang="en-US" dirty="0"/>
               <a:pPr/>
-              <a:t>12/23/2018</a:t>
+              <a:t>2/3/2019</a:t>
             </a:fld>
             <a:endParaRPr lang="en-US" dirty="0"/>
           </a:p>
@@ -1095,7 +1094,7 @@
             <a:fld id="{B61BEF0D-F0BB-DE4B-95CE-6DB70DBA9567}" type="datetimeFigureOut">
               <a:rPr lang="en-US" dirty="0"/>
               <a:pPr/>
-              <a:t>12/23/2018</a:t>
+              <a:t>2/3/2019</a:t>
             </a:fld>
             <a:endParaRPr lang="en-US" dirty="0"/>
           </a:p>
@@ -1406,7 +1405,7 @@
             <a:fld id="{B61BEF0D-F0BB-DE4B-95CE-6DB70DBA9567}" type="datetimeFigureOut">
               <a:rPr lang="en-US" dirty="0"/>
               <a:pPr/>
-              <a:t>12/23/2018</a:t>
+              <a:t>2/3/2019</a:t>
             </a:fld>
             <a:endParaRPr lang="en-US" dirty="0"/>
           </a:p>
@@ -1744,7 +1743,7 @@
             <a:fld id="{B61BEF0D-F0BB-DE4B-95CE-6DB70DBA9567}" type="datetimeFigureOut">
               <a:rPr lang="en-US" dirty="0"/>
               <a:pPr/>
-              <a:t>12/23/2018</a:t>
+              <a:t>2/3/2019</a:t>
             </a:fld>
             <a:endParaRPr lang="en-US" dirty="0"/>
           </a:p>
@@ -2055,7 +2054,7 @@
             <a:fld id="{B61BEF0D-F0BB-DE4B-95CE-6DB70DBA9567}" type="datetimeFigureOut">
               <a:rPr lang="en-US" dirty="0"/>
               <a:pPr/>
-              <a:t>12/23/2018</a:t>
+              <a:t>2/3/2019</a:t>
             </a:fld>
             <a:endParaRPr lang="en-US" dirty="0"/>
           </a:p>
@@ -2445,7 +2444,7 @@
             <a:fld id="{B61BEF0D-F0BB-DE4B-95CE-6DB70DBA9567}" type="datetimeFigureOut">
               <a:rPr lang="en-US" dirty="0"/>
               <a:pPr/>
-              <a:t>12/23/2018</a:t>
+              <a:t>2/3/2019</a:t>
             </a:fld>
             <a:endParaRPr lang="en-US" dirty="0"/>
           </a:p>
@@ -2611,7 +2610,7 @@
           <a:p>
             <a:fld id="{55C6B4A9-1611-4792-9094-5F34BCA07E0B}" type="datetimeFigureOut">
               <a:rPr lang="en-US" dirty="0"/>
-              <a:t>12/23/2018</a:t>
+              <a:t>2/3/2019</a:t>
             </a:fld>
             <a:endParaRPr lang="en-US" dirty="0"/>
           </a:p>
@@ -2787,7 +2786,7 @@
             <a:fld id="{B61BEF0D-F0BB-DE4B-95CE-6DB70DBA9567}" type="datetimeFigureOut">
               <a:rPr lang="en-US" dirty="0"/>
               <a:pPr/>
-              <a:t>12/23/2018</a:t>
+              <a:t>2/3/2019</a:t>
             </a:fld>
             <a:endParaRPr lang="en-US" dirty="0"/>
           </a:p>
@@ -2960,7 +2959,7 @@
             <a:fld id="{B61BEF0D-F0BB-DE4B-95CE-6DB70DBA9567}" type="datetimeFigureOut">
               <a:rPr lang="en-US" dirty="0"/>
               <a:pPr/>
-              <a:t>12/23/2018</a:t>
+              <a:t>2/3/2019</a:t>
             </a:fld>
             <a:endParaRPr lang="en-US" dirty="0"/>
           </a:p>
@@ -3204,7 +3203,7 @@
             <a:fld id="{B61BEF0D-F0BB-DE4B-95CE-6DB70DBA9567}" type="datetimeFigureOut">
               <a:rPr lang="en-US" dirty="0"/>
               <a:pPr/>
-              <a:t>12/23/2018</a:t>
+              <a:t>2/3/2019</a:t>
             </a:fld>
             <a:endParaRPr lang="en-US" dirty="0"/>
           </a:p>
@@ -3432,7 +3431,7 @@
           <a:p>
             <a:fld id="{EB712588-04B1-427B-82EE-E8DB90309F08}" type="datetimeFigureOut">
               <a:rPr lang="en-US" dirty="0"/>
-              <a:t>12/23/2018</a:t>
+              <a:t>2/3/2019</a:t>
             </a:fld>
             <a:endParaRPr lang="en-US" dirty="0"/>
           </a:p>
@@ -3802,7 +3801,7 @@
             <a:fld id="{B61BEF0D-F0BB-DE4B-95CE-6DB70DBA9567}" type="datetimeFigureOut">
               <a:rPr lang="en-US" dirty="0"/>
               <a:pPr/>
-              <a:t>12/23/2018</a:t>
+              <a:t>2/3/2019</a:t>
             </a:fld>
             <a:endParaRPr lang="en-US" dirty="0"/>
           </a:p>
@@ -3922,7 +3921,7 @@
             <a:fld id="{B61BEF0D-F0BB-DE4B-95CE-6DB70DBA9567}" type="datetimeFigureOut">
               <a:rPr lang="en-US" dirty="0"/>
               <a:pPr/>
-              <a:t>12/23/2018</a:t>
+              <a:t>2/3/2019</a:t>
             </a:fld>
             <a:endParaRPr lang="en-US" dirty="0"/>
           </a:p>
@@ -4014,7 +4013,7 @@
             <a:fld id="{B61BEF0D-F0BB-DE4B-95CE-6DB70DBA9567}" type="datetimeFigureOut">
               <a:rPr lang="en-US" dirty="0"/>
               <a:pPr/>
-              <a:t>12/23/2018</a:t>
+              <a:t>2/3/2019</a:t>
             </a:fld>
             <a:endParaRPr lang="en-US" dirty="0"/>
           </a:p>
@@ -4265,7 +4264,7 @@
           <a:p>
             <a:fld id="{42A54C80-263E-416B-A8E0-580EDEADCBDC}" type="datetimeFigureOut">
               <a:rPr lang="en-US" dirty="0"/>
-              <a:t>12/23/2018</a:t>
+              <a:t>2/3/2019</a:t>
             </a:fld>
             <a:endParaRPr lang="en-US" dirty="0"/>
           </a:p>
@@ -4524,7 +4523,7 @@
             <a:fld id="{B61BEF0D-F0BB-DE4B-95CE-6DB70DBA9567}" type="datetimeFigureOut">
               <a:rPr lang="en-US" dirty="0"/>
               <a:pPr/>
-              <a:t>12/23/2018</a:t>
+              <a:t>2/3/2019</a:t>
             </a:fld>
             <a:endParaRPr lang="en-US" dirty="0"/>
           </a:p>
@@ -5264,7 +5263,7 @@
             <a:fld id="{B61BEF0D-F0BB-DE4B-95CE-6DB70DBA9567}" type="datetimeFigureOut">
               <a:rPr lang="en-US" dirty="0"/>
               <a:pPr/>
-              <a:t>12/23/2018</a:t>
+              <a:t>2/3/2019</a:t>
             </a:fld>
             <a:endParaRPr lang="en-US" dirty="0"/>
           </a:p>
@@ -6052,109 +6051,17 @@
   <p:clrMapOvr>
     <a:masterClrMapping/>
   </p:clrMapOvr>
+  <p:timing>
+    <p:tnLst>
+      <p:par>
+        <p:cTn id="1" dur="indefinite" restart="never" nodeType="tmRoot"/>
+      </p:par>
+    </p:tnLst>
+  </p:timing>
 </p:sld>
 </file>
 
 <file path=ppt/slides/slide10.xml><?xml version="1.0" encoding="utf-8"?>
-<p:sld xmlns:a="http://schemas.openxmlformats.org/drawingml/2006/main" xmlns:r="http://schemas.openxmlformats.org/officeDocument/2006/relationships" xmlns:p="http://schemas.openxmlformats.org/presentationml/2006/main">
-  <p:cSld>
-    <p:spTree>
-      <p:nvGrpSpPr>
-        <p:cNvPr id="1" name=""/>
-        <p:cNvGrpSpPr/>
-        <p:nvPr/>
-      </p:nvGrpSpPr>
-      <p:grpSpPr>
-        <a:xfrm>
-          <a:off x="0" y="0"/>
-          <a:ext cx="0" cy="0"/>
-          <a:chOff x="0" y="0"/>
-          <a:chExt cx="0" cy="0"/>
-        </a:xfrm>
-      </p:grpSpPr>
-      <p:sp>
-        <p:nvSpPr>
-          <p:cNvPr id="2" name="Title 1"/>
-          <p:cNvSpPr>
-            <a:spLocks noGrp="1"/>
-          </p:cNvSpPr>
-          <p:nvPr>
-            <p:ph type="title"/>
-          </p:nvPr>
-        </p:nvSpPr>
-        <p:spPr/>
-        <p:txBody>
-          <a:bodyPr/>
-          <a:lstStyle/>
-          <a:p>
-            <a:r>
-              <a:rPr lang="en-US" dirty="0"/>
-              <a:t>So does make a good QA?</a:t>
-            </a:r>
-          </a:p>
-        </p:txBody>
-      </p:sp>
-      <p:sp>
-        <p:nvSpPr>
-          <p:cNvPr id="3" name="Content Placeholder 2"/>
-          <p:cNvSpPr>
-            <a:spLocks noGrp="1"/>
-          </p:cNvSpPr>
-          <p:nvPr>
-            <p:ph idx="1"/>
-          </p:nvPr>
-        </p:nvSpPr>
-        <p:spPr/>
-        <p:txBody>
-          <a:bodyPr/>
-          <a:lstStyle/>
-          <a:p>
-            <a:r>
-              <a:rPr lang="en-US" b="1" dirty="0"/>
-              <a:t>You need to be proactive</a:t>
-            </a:r>
-            <a:endParaRPr lang="en-US" dirty="0"/>
-          </a:p>
-        </p:txBody>
-      </p:sp>
-      <p:pic>
-        <p:nvPicPr>
-          <p:cNvPr id="4" name="Picture 3"/>
-          <p:cNvPicPr>
-            <a:picLocks noChangeAspect="1"/>
-          </p:cNvPicPr>
-          <p:nvPr/>
-        </p:nvPicPr>
-        <p:blipFill>
-          <a:blip r:embed="rId2"/>
-          <a:stretch>
-            <a:fillRect/>
-          </a:stretch>
-        </p:blipFill>
-        <p:spPr>
-          <a:xfrm>
-            <a:off x="2451648" y="2905799"/>
-            <a:ext cx="4721352" cy="3736848"/>
-          </a:xfrm>
-          <a:prstGeom prst="rect">
-            <a:avLst/>
-          </a:prstGeom>
-        </p:spPr>
-      </p:pic>
-    </p:spTree>
-    <p:extLst>
-      <p:ext uri="{BB962C8B-B14F-4D97-AF65-F5344CB8AC3E}">
-        <p14:creationId xmlns:p14="http://schemas.microsoft.com/office/powerpoint/2010/main" val="2717168609"/>
-      </p:ext>
-    </p:extLst>
-  </p:cSld>
-  <p:clrMapOvr>
-    <a:masterClrMapping/>
-  </p:clrMapOvr>
-</p:sld>
-</file>
-
-<file path=ppt/slides/slide11.xml><?xml version="1.0" encoding="utf-8"?>
 <p:sld xmlns:a="http://schemas.openxmlformats.org/drawingml/2006/main" xmlns:r="http://schemas.openxmlformats.org/officeDocument/2006/relationships" xmlns:p="http://schemas.openxmlformats.org/presentationml/2006/main">
   <p:cSld>
     <p:spTree>
@@ -6267,10 +6174,17 @@
   <p:clrMapOvr>
     <a:masterClrMapping/>
   </p:clrMapOvr>
+  <p:timing>
+    <p:tnLst>
+      <p:par>
+        <p:cTn id="1" dur="indefinite" restart="never" nodeType="tmRoot"/>
+      </p:par>
+    </p:tnLst>
+  </p:timing>
 </p:sld>
 </file>
 
-<file path=ppt/slides/slide12.xml><?xml version="1.0" encoding="utf-8"?>
+<file path=ppt/slides/slide11.xml><?xml version="1.0" encoding="utf-8"?>
 <p:sld xmlns:a="http://schemas.openxmlformats.org/drawingml/2006/main" xmlns:r="http://schemas.openxmlformats.org/officeDocument/2006/relationships" xmlns:p="http://schemas.openxmlformats.org/presentationml/2006/main">
   <p:cSld>
     <p:spTree>
@@ -6366,10 +6280,17 @@
   <p:clrMapOvr>
     <a:masterClrMapping/>
   </p:clrMapOvr>
+  <p:timing>
+    <p:tnLst>
+      <p:par>
+        <p:cTn id="1" dur="indefinite" restart="never" nodeType="tmRoot"/>
+      </p:par>
+    </p:tnLst>
+  </p:timing>
 </p:sld>
 </file>
 
-<file path=ppt/slides/slide13.xml><?xml version="1.0" encoding="utf-8"?>
+<file path=ppt/slides/slide12.xml><?xml version="1.0" encoding="utf-8"?>
 <p:sld xmlns:a="http://schemas.openxmlformats.org/drawingml/2006/main" xmlns:r="http://schemas.openxmlformats.org/officeDocument/2006/relationships" xmlns:p="http://schemas.openxmlformats.org/presentationml/2006/main">
   <p:cSld>
     <p:spTree>
@@ -6481,6 +6402,13 @@
   <p:clrMapOvr>
     <a:masterClrMapping/>
   </p:clrMapOvr>
+  <p:timing>
+    <p:tnLst>
+      <p:par>
+        <p:cTn id="1" dur="indefinite" restart="never" nodeType="tmRoot"/>
+      </p:par>
+    </p:tnLst>
+  </p:timing>
 </p:sld>
 </file>
 
@@ -6620,114 +6548,17 @@
   <p:clrMapOvr>
     <a:masterClrMapping/>
   </p:clrMapOvr>
+  <p:timing>
+    <p:tnLst>
+      <p:par>
+        <p:cTn id="1" dur="indefinite" restart="never" nodeType="tmRoot"/>
+      </p:par>
+    </p:tnLst>
+  </p:timing>
 </p:sld>
 </file>
 
 <file path=ppt/slides/slide3.xml><?xml version="1.0" encoding="utf-8"?>
-<p:sld xmlns:a="http://schemas.openxmlformats.org/drawingml/2006/main" xmlns:r="http://schemas.openxmlformats.org/officeDocument/2006/relationships" xmlns:p="http://schemas.openxmlformats.org/presentationml/2006/main">
-  <p:cSld>
-    <p:spTree>
-      <p:nvGrpSpPr>
-        <p:cNvPr id="1" name=""/>
-        <p:cNvGrpSpPr/>
-        <p:nvPr/>
-      </p:nvGrpSpPr>
-      <p:grpSpPr>
-        <a:xfrm>
-          <a:off x="0" y="0"/>
-          <a:ext cx="0" cy="0"/>
-          <a:chOff x="0" y="0"/>
-          <a:chExt cx="0" cy="0"/>
-        </a:xfrm>
-      </p:grpSpPr>
-      <p:sp>
-        <p:nvSpPr>
-          <p:cNvPr id="2" name="Title 1"/>
-          <p:cNvSpPr>
-            <a:spLocks noGrp="1"/>
-          </p:cNvSpPr>
-          <p:nvPr>
-            <p:ph type="title"/>
-          </p:nvPr>
-        </p:nvSpPr>
-        <p:spPr/>
-        <p:txBody>
-          <a:bodyPr/>
-          <a:lstStyle/>
-          <a:p>
-            <a:r>
-              <a:rPr lang="en-US" dirty="0"/>
-              <a:t>QA &amp; QC and the blurred line.</a:t>
-            </a:r>
-          </a:p>
-        </p:txBody>
-      </p:sp>
-      <p:sp>
-        <p:nvSpPr>
-          <p:cNvPr id="3" name="Content Placeholder 2"/>
-          <p:cNvSpPr>
-            <a:spLocks noGrp="1"/>
-          </p:cNvSpPr>
-          <p:nvPr>
-            <p:ph idx="1"/>
-          </p:nvPr>
-        </p:nvSpPr>
-        <p:spPr>
-          <a:xfrm>
-            <a:off x="677334" y="1446214"/>
-            <a:ext cx="8596668" cy="3880773"/>
-          </a:xfrm>
-        </p:spPr>
-        <p:txBody>
-          <a:bodyPr/>
-          <a:lstStyle/>
-          <a:p>
-            <a:r>
-              <a:rPr lang="en-US" dirty="0"/>
-              <a:t>Quality </a:t>
-            </a:r>
-            <a:r>
-              <a:rPr lang="en-US" i="1" dirty="0"/>
-              <a:t>Assurance</a:t>
-            </a:r>
-            <a:r>
-              <a:rPr lang="en-US" dirty="0"/>
-              <a:t> makes sure you are doing the right things, the right way.</a:t>
-            </a:r>
-          </a:p>
-          <a:p>
-            <a:r>
-              <a:rPr lang="en-US" dirty="0"/>
-              <a:t>Quality </a:t>
-            </a:r>
-            <a:r>
-              <a:rPr lang="en-US" i="1" dirty="0"/>
-              <a:t>Control</a:t>
-            </a:r>
-            <a:r>
-              <a:rPr lang="en-US" dirty="0"/>
-              <a:t> makes sure the results of what you've done are what you expected.</a:t>
-            </a:r>
-          </a:p>
-          <a:p>
-            <a:endParaRPr lang="en-US" dirty="0"/>
-          </a:p>
-        </p:txBody>
-      </p:sp>
-    </p:spTree>
-    <p:extLst>
-      <p:ext uri="{BB962C8B-B14F-4D97-AF65-F5344CB8AC3E}">
-        <p14:creationId xmlns:p14="http://schemas.microsoft.com/office/powerpoint/2010/main" val="2209279144"/>
-      </p:ext>
-    </p:extLst>
-  </p:cSld>
-  <p:clrMapOvr>
-    <a:masterClrMapping/>
-  </p:clrMapOvr>
-</p:sld>
-</file>
-
-<file path=ppt/slides/slide4.xml><?xml version="1.0" encoding="utf-8"?>
 <p:sld xmlns:a="http://schemas.openxmlformats.org/drawingml/2006/main" xmlns:r="http://schemas.openxmlformats.org/officeDocument/2006/relationships" xmlns:p="http://schemas.openxmlformats.org/presentationml/2006/main">
   <p:cSld>
     <p:spTree>
@@ -6937,7 +6768,7 @@
 </p:sld>
 </file>
 
-<file path=ppt/slides/slide5.xml><?xml version="1.0" encoding="utf-8"?>
+<file path=ppt/slides/slide4.xml><?xml version="1.0" encoding="utf-8"?>
 <p:sld xmlns:a="http://schemas.openxmlformats.org/drawingml/2006/main" xmlns:r="http://schemas.openxmlformats.org/officeDocument/2006/relationships" xmlns:p="http://schemas.openxmlformats.org/presentationml/2006/main">
   <p:cSld>
     <p:spTree>
@@ -7033,10 +6864,17 @@
   <p:clrMapOvr>
     <a:masterClrMapping/>
   </p:clrMapOvr>
+  <p:timing>
+    <p:tnLst>
+      <p:par>
+        <p:cTn id="1" dur="indefinite" restart="never" nodeType="tmRoot"/>
+      </p:par>
+    </p:tnLst>
+  </p:timing>
 </p:sld>
 </file>
 
-<file path=ppt/slides/slide6.xml><?xml version="1.0" encoding="utf-8"?>
+<file path=ppt/slides/slide5.xml><?xml version="1.0" encoding="utf-8"?>
 <p:sld xmlns:a="http://schemas.openxmlformats.org/drawingml/2006/main" xmlns:r="http://schemas.openxmlformats.org/officeDocument/2006/relationships" xmlns:p="http://schemas.openxmlformats.org/presentationml/2006/main">
   <p:cSld>
     <p:spTree>
@@ -7139,10 +6977,17 @@
   <p:clrMapOvr>
     <a:masterClrMapping/>
   </p:clrMapOvr>
+  <p:timing>
+    <p:tnLst>
+      <p:par>
+        <p:cTn id="1" dur="indefinite" restart="never" nodeType="tmRoot"/>
+      </p:par>
+    </p:tnLst>
+  </p:timing>
 </p:sld>
 </file>
 
-<file path=ppt/slides/slide7.xml><?xml version="1.0" encoding="utf-8"?>
+<file path=ppt/slides/slide6.xml><?xml version="1.0" encoding="utf-8"?>
 <p:sld xmlns:a="http://schemas.openxmlformats.org/drawingml/2006/main" xmlns:r="http://schemas.openxmlformats.org/officeDocument/2006/relationships" xmlns:p="http://schemas.openxmlformats.org/presentationml/2006/main">
   <p:cSld>
     <p:spTree>
@@ -7246,10 +7091,17 @@
   <p:clrMapOvr>
     <a:masterClrMapping/>
   </p:clrMapOvr>
+  <p:timing>
+    <p:tnLst>
+      <p:par>
+        <p:cTn id="1" dur="indefinite" restart="never" nodeType="tmRoot"/>
+      </p:par>
+    </p:tnLst>
+  </p:timing>
 </p:sld>
 </file>
 
-<file path=ppt/slides/slide8.xml><?xml version="1.0" encoding="utf-8"?>
+<file path=ppt/slides/slide7.xml><?xml version="1.0" encoding="utf-8"?>
 <p:sld xmlns:a="http://schemas.openxmlformats.org/drawingml/2006/main" xmlns:r="http://schemas.openxmlformats.org/officeDocument/2006/relationships" xmlns:p="http://schemas.openxmlformats.org/presentationml/2006/main">
   <p:cSld>
     <p:spTree>
@@ -7351,10 +7203,17 @@
   <p:clrMapOvr>
     <a:masterClrMapping/>
   </p:clrMapOvr>
+  <p:timing>
+    <p:tnLst>
+      <p:par>
+        <p:cTn id="1" dur="indefinite" restart="never" nodeType="tmRoot"/>
+      </p:par>
+    </p:tnLst>
+  </p:timing>
 </p:sld>
 </file>
 
-<file path=ppt/slides/slide9.xml><?xml version="1.0" encoding="utf-8"?>
+<file path=ppt/slides/slide8.xml><?xml version="1.0" encoding="utf-8"?>
 <p:sld xmlns:a="http://schemas.openxmlformats.org/drawingml/2006/main" xmlns:r="http://schemas.openxmlformats.org/officeDocument/2006/relationships" xmlns:p="http://schemas.openxmlformats.org/presentationml/2006/main">
   <p:cSld>
     <p:spTree>
@@ -7458,6 +7317,119 @@
   <p:clrMapOvr>
     <a:masterClrMapping/>
   </p:clrMapOvr>
+  <p:timing>
+    <p:tnLst>
+      <p:par>
+        <p:cTn id="1" dur="indefinite" restart="never" nodeType="tmRoot"/>
+      </p:par>
+    </p:tnLst>
+  </p:timing>
+</p:sld>
+</file>
+
+<file path=ppt/slides/slide9.xml><?xml version="1.0" encoding="utf-8"?>
+<p:sld xmlns:a="http://schemas.openxmlformats.org/drawingml/2006/main" xmlns:r="http://schemas.openxmlformats.org/officeDocument/2006/relationships" xmlns:p="http://schemas.openxmlformats.org/presentationml/2006/main">
+  <p:cSld>
+    <p:spTree>
+      <p:nvGrpSpPr>
+        <p:cNvPr id="1" name=""/>
+        <p:cNvGrpSpPr/>
+        <p:nvPr/>
+      </p:nvGrpSpPr>
+      <p:grpSpPr>
+        <a:xfrm>
+          <a:off x="0" y="0"/>
+          <a:ext cx="0" cy="0"/>
+          <a:chOff x="0" y="0"/>
+          <a:chExt cx="0" cy="0"/>
+        </a:xfrm>
+      </p:grpSpPr>
+      <p:sp>
+        <p:nvSpPr>
+          <p:cNvPr id="2" name="Title 1"/>
+          <p:cNvSpPr>
+            <a:spLocks noGrp="1"/>
+          </p:cNvSpPr>
+          <p:nvPr>
+            <p:ph type="title"/>
+          </p:nvPr>
+        </p:nvSpPr>
+        <p:spPr/>
+        <p:txBody>
+          <a:bodyPr/>
+          <a:lstStyle/>
+          <a:p>
+            <a:r>
+              <a:rPr lang="en-US" dirty="0"/>
+              <a:t>So does make a good QA?</a:t>
+            </a:r>
+          </a:p>
+        </p:txBody>
+      </p:sp>
+      <p:sp>
+        <p:nvSpPr>
+          <p:cNvPr id="3" name="Content Placeholder 2"/>
+          <p:cNvSpPr>
+            <a:spLocks noGrp="1"/>
+          </p:cNvSpPr>
+          <p:nvPr>
+            <p:ph idx="1"/>
+          </p:nvPr>
+        </p:nvSpPr>
+        <p:spPr/>
+        <p:txBody>
+          <a:bodyPr/>
+          <a:lstStyle/>
+          <a:p>
+            <a:r>
+              <a:rPr lang="en-US" b="1" dirty="0"/>
+              <a:t>You need to be proactive</a:t>
+            </a:r>
+            <a:endParaRPr lang="en-US" dirty="0"/>
+          </a:p>
+        </p:txBody>
+      </p:sp>
+      <p:pic>
+        <p:nvPicPr>
+          <p:cNvPr id="4" name="Picture 3"/>
+          <p:cNvPicPr>
+            <a:picLocks noChangeAspect="1"/>
+          </p:cNvPicPr>
+          <p:nvPr/>
+        </p:nvPicPr>
+        <p:blipFill>
+          <a:blip r:embed="rId2"/>
+          <a:stretch>
+            <a:fillRect/>
+          </a:stretch>
+        </p:blipFill>
+        <p:spPr>
+          <a:xfrm>
+            <a:off x="2451648" y="2905799"/>
+            <a:ext cx="4721352" cy="3736848"/>
+          </a:xfrm>
+          <a:prstGeom prst="rect">
+            <a:avLst/>
+          </a:prstGeom>
+        </p:spPr>
+      </p:pic>
+    </p:spTree>
+    <p:extLst>
+      <p:ext uri="{BB962C8B-B14F-4D97-AF65-F5344CB8AC3E}">
+        <p14:creationId xmlns:p14="http://schemas.microsoft.com/office/powerpoint/2010/main" val="2717168609"/>
+      </p:ext>
+    </p:extLst>
+  </p:cSld>
+  <p:clrMapOvr>
+    <a:masterClrMapping/>
+  </p:clrMapOvr>
+  <p:timing>
+    <p:tnLst>
+      <p:par>
+        <p:cTn id="1" dur="indefinite" restart="never" nodeType="tmRoot"/>
+      </p:par>
+    </p:tnLst>
+  </p:timing>
 </p:sld>
 </file>
 
